--- a/Apollo Client.pptx
+++ b/Apollo Client.pptx
@@ -14323,11 +14323,6 @@
               </a:rPr>
               <a:t>Optimistic UI</a:t>
             </a:r>
-            <a:endParaRPr lang="en-US" dirty="0">
-              <a:latin typeface="Tahoma" panose="020B0604030504040204" pitchFamily="34" charset="0"/>
-              <a:ea typeface="Tahoma" panose="020B0604030504040204" pitchFamily="34" charset="0"/>
-              <a:cs typeface="Tahoma" panose="020B0604030504040204" pitchFamily="34" charset="0"/>
-            </a:endParaRPr>
           </a:p>
         </p:txBody>
       </p:sp>
@@ -14446,11 +14441,6 @@
               </a:rPr>
               <a:t>Optimistic UI</a:t>
             </a:r>
-            <a:endParaRPr lang="en-US" dirty="0">
-              <a:latin typeface="Tahoma" panose="020B0604030504040204" pitchFamily="34" charset="0"/>
-              <a:ea typeface="Tahoma" panose="020B0604030504040204" pitchFamily="34" charset="0"/>
-              <a:cs typeface="Tahoma" panose="020B0604030504040204" pitchFamily="34" charset="0"/>
-            </a:endParaRPr>
           </a:p>
         </p:txBody>
       </p:sp>
@@ -19812,74 +19802,6 @@
           <a:chExt cx="0" cy="0"/>
         </a:xfrm>
       </p:grpSpPr>
-      <p:sp>
-        <p:nvSpPr>
-          <p:cNvPr id="84" name="Google Shape;84;p17"/>
-          <p:cNvSpPr txBox="1">
-            <a:spLocks noGrp="1"/>
-          </p:cNvSpPr>
-          <p:nvPr>
-            <p:ph type="title"/>
-          </p:nvPr>
-        </p:nvSpPr>
-        <p:spPr>
-          <a:prstGeom prst="rect">
-            <a:avLst/>
-          </a:prstGeom>
-        </p:spPr>
-        <p:txBody>
-          <a:bodyPr spcFirstLastPara="1" wrap="square" lIns="91425" tIns="91425" rIns="91425" bIns="91425" anchor="t" anchorCtr="0">
-            <a:noAutofit/>
-          </a:bodyPr>
-          <a:lstStyle/>
-          <a:p>
-            <a:pPr marL="0" lvl="0" indent="0" algn="l" rtl="0">
-              <a:spcBef>
-                <a:spcPts val="0"/>
-              </a:spcBef>
-              <a:spcAft>
-                <a:spcPts val="0"/>
-              </a:spcAft>
-              <a:buNone/>
-            </a:pPr>
-            <a:endParaRPr/>
-          </a:p>
-        </p:txBody>
-      </p:sp>
-      <p:sp>
-        <p:nvSpPr>
-          <p:cNvPr id="85" name="Google Shape;85;p17"/>
-          <p:cNvSpPr txBox="1">
-            <a:spLocks noGrp="1"/>
-          </p:cNvSpPr>
-          <p:nvPr>
-            <p:ph type="body" idx="1"/>
-          </p:nvPr>
-        </p:nvSpPr>
-        <p:spPr>
-          <a:prstGeom prst="rect">
-            <a:avLst/>
-          </a:prstGeom>
-        </p:spPr>
-        <p:txBody>
-          <a:bodyPr spcFirstLastPara="1" wrap="square" lIns="91425" tIns="91425" rIns="91425" bIns="91425" anchor="t" anchorCtr="0">
-            <a:noAutofit/>
-          </a:bodyPr>
-          <a:lstStyle/>
-          <a:p>
-            <a:pPr marL="0" lvl="0" indent="0" algn="l" rtl="0">
-              <a:spcBef>
-                <a:spcPts val="0"/>
-              </a:spcBef>
-              <a:spcAft>
-                <a:spcPts val="1600"/>
-              </a:spcAft>
-              <a:buNone/>
-            </a:pPr>
-            <a:endParaRPr/>
-          </a:p>
-        </p:txBody>
-      </p:sp>
       <p:pic>
         <p:nvPicPr>
           <p:cNvPr id="86" name="Google Shape;86;p17"/>
@@ -19896,8 +19818,8 @@
         </p:blipFill>
         <p:spPr>
           <a:xfrm>
-            <a:off x="0" y="422246"/>
-            <a:ext cx="9143998" cy="4299007"/>
+            <a:off x="612321" y="821782"/>
+            <a:ext cx="7739743" cy="3638803"/>
           </a:xfrm>
           <a:prstGeom prst="rect">
             <a:avLst/>
@@ -19913,6 +19835,13 @@
   <p:clrMapOvr>
     <a:masterClrMapping/>
   </p:clrMapOvr>
+  <p:timing>
+    <p:tnLst>
+      <p:par>
+        <p:cTn id="1" dur="indefinite" restart="never" nodeType="tmRoot"/>
+      </p:par>
+    </p:tnLst>
+  </p:timing>
 </p:sld>
 </file>
 
@@ -21124,6 +21053,13 @@
   <p:clrMapOvr>
     <a:masterClrMapping/>
   </p:clrMapOvr>
+  <p:timing>
+    <p:tnLst>
+      <p:par>
+        <p:cTn id="1" dur="indefinite" restart="never" nodeType="tmRoot"/>
+      </p:par>
+    </p:tnLst>
+  </p:timing>
 </p:sld>
 </file>
 
@@ -21177,6 +21113,13 @@
   <p:clrMapOvr>
     <a:masterClrMapping/>
   </p:clrMapOvr>
+  <p:timing>
+    <p:tnLst>
+      <p:par>
+        <p:cTn id="1" dur="indefinite" restart="never" nodeType="tmRoot"/>
+      </p:par>
+    </p:tnLst>
+  </p:timing>
 </p:sld>
 </file>
 
@@ -22185,7 +22128,7 @@
 <file path=ppt/theme/theme1.xml><?xml version="1.0" encoding="utf-8"?>
 <a:theme xmlns:a="http://schemas.openxmlformats.org/drawingml/2006/main" name="יונים">
   <a:themeElements>
-    <a:clrScheme name="גווני אפור">
+    <a:clrScheme name="Office 2007-2010">
       <a:dk1>
         <a:sysClr val="windowText" lastClr="000000"/>
       </a:dk1>
@@ -22193,34 +22136,34 @@
         <a:sysClr val="window" lastClr="FFFFFF"/>
       </a:lt1>
       <a:dk2>
-        <a:srgbClr val="000000"/>
+        <a:srgbClr val="1F497D"/>
       </a:dk2>
       <a:lt2>
-        <a:srgbClr val="F8F8F8"/>
+        <a:srgbClr val="EEECE1"/>
       </a:lt2>
       <a:accent1>
-        <a:srgbClr val="DDDDDD"/>
+        <a:srgbClr val="4F81BD"/>
       </a:accent1>
       <a:accent2>
-        <a:srgbClr val="B2B2B2"/>
+        <a:srgbClr val="C0504D"/>
       </a:accent2>
       <a:accent3>
-        <a:srgbClr val="969696"/>
+        <a:srgbClr val="9BBB59"/>
       </a:accent3>
       <a:accent4>
-        <a:srgbClr val="808080"/>
+        <a:srgbClr val="8064A2"/>
       </a:accent4>
       <a:accent5>
-        <a:srgbClr val="5F5F5F"/>
+        <a:srgbClr val="4BACC6"/>
       </a:accent5>
       <a:accent6>
-        <a:srgbClr val="4D4D4D"/>
+        <a:srgbClr val="F79646"/>
       </a:accent6>
       <a:hlink>
-        <a:srgbClr val="5F5F5F"/>
+        <a:srgbClr val="0000FF"/>
       </a:hlink>
       <a:folHlink>
-        <a:srgbClr val="919191"/>
+        <a:srgbClr val="800080"/>
       </a:folHlink>
     </a:clrScheme>
     <a:fontScheme name="יונים">

--- a/Apollo Client.pptx
+++ b/Apollo Client.pptx
@@ -4631,7 +4631,7 @@
           <a:p>
             <a:fld id="{4AAD347D-5ACD-4C99-B74B-A9C85AD731AF}" type="datetimeFigureOut">
               <a:rPr lang="en-US" dirty="0"/>
-              <a:t>8/18/2019</a:t>
+              <a:t>8/19/2019</a:t>
             </a:fld>
             <a:endParaRPr lang="en-US" dirty="0"/>
           </a:p>
@@ -4916,7 +4916,7 @@
           <a:p>
             <a:fld id="{4509A250-FF31-4206-8172-F9D3106AACB1}" type="datetimeFigureOut">
               <a:rPr lang="en-US" dirty="0"/>
-              <a:t>8/18/2019</a:t>
+              <a:t>8/19/2019</a:t>
             </a:fld>
             <a:endParaRPr lang="en-US" dirty="0"/>
           </a:p>
@@ -5120,7 +5120,7 @@
           <a:p>
             <a:fld id="{4509A250-FF31-4206-8172-F9D3106AACB1}" type="datetimeFigureOut">
               <a:rPr lang="en-US" dirty="0"/>
-              <a:t>8/18/2019</a:t>
+              <a:t>8/19/2019</a:t>
             </a:fld>
             <a:endParaRPr lang="en-US" dirty="0"/>
           </a:p>
@@ -5403,7 +5403,7 @@
           <a:p>
             <a:fld id="{4509A250-FF31-4206-8172-F9D3106AACB1}" type="datetimeFigureOut">
               <a:rPr lang="en-US" dirty="0"/>
-              <a:t>8/18/2019</a:t>
+              <a:t>8/19/2019</a:t>
             </a:fld>
             <a:endParaRPr lang="en-US" dirty="0"/>
           </a:p>
@@ -5754,7 +5754,7 @@
           <a:p>
             <a:fld id="{4509A250-FF31-4206-8172-F9D3106AACB1}" type="datetimeFigureOut">
               <a:rPr lang="en-US" dirty="0"/>
-              <a:t>8/18/2019</a:t>
+              <a:t>8/19/2019</a:t>
             </a:fld>
             <a:endParaRPr lang="en-US" dirty="0"/>
           </a:p>
@@ -6387,7 +6387,7 @@
           <a:p>
             <a:fld id="{4509A250-FF31-4206-8172-F9D3106AACB1}" type="datetimeFigureOut">
               <a:rPr lang="en-US" dirty="0"/>
-              <a:t>8/18/2019</a:t>
+              <a:t>8/19/2019</a:t>
             </a:fld>
             <a:endParaRPr lang="en-US" dirty="0"/>
           </a:p>
@@ -7257,7 +7257,7 @@
           <a:p>
             <a:fld id="{4509A250-FF31-4206-8172-F9D3106AACB1}" type="datetimeFigureOut">
               <a:rPr lang="en-US" dirty="0"/>
-              <a:t>8/18/2019</a:t>
+              <a:t>8/19/2019</a:t>
             </a:fld>
             <a:endParaRPr lang="en-US" dirty="0"/>
           </a:p>
@@ -7437,7 +7437,7 @@
           <a:p>
             <a:fld id="{4509A250-FF31-4206-8172-F9D3106AACB1}" type="datetimeFigureOut">
               <a:rPr lang="en-US" dirty="0"/>
-              <a:t>8/18/2019</a:t>
+              <a:t>8/19/2019</a:t>
             </a:fld>
             <a:endParaRPr lang="en-US" dirty="0"/>
           </a:p>
@@ -7627,7 +7627,7 @@
           <a:p>
             <a:fld id="{4509A250-FF31-4206-8172-F9D3106AACB1}" type="datetimeFigureOut">
               <a:rPr lang="en-US" dirty="0"/>
-              <a:t>8/18/2019</a:t>
+              <a:t>8/19/2019</a:t>
             </a:fld>
             <a:endParaRPr lang="en-US" dirty="0"/>
           </a:p>
@@ -8174,7 +8174,7 @@
           <a:p>
             <a:fld id="{4509A250-FF31-4206-8172-F9D3106AACB1}" type="datetimeFigureOut">
               <a:rPr lang="en-US" dirty="0"/>
-              <a:t>8/18/2019</a:t>
+              <a:t>8/19/2019</a:t>
             </a:fld>
             <a:endParaRPr lang="en-US" dirty="0"/>
           </a:p>
@@ -8431,7 +8431,7 @@
           <a:p>
             <a:fld id="{9796027F-7875-4030-9381-8BD8C4F21935}" type="datetimeFigureOut">
               <a:rPr lang="en-US" dirty="0"/>
-              <a:t>8/18/2019</a:t>
+              <a:t>8/19/2019</a:t>
             </a:fld>
             <a:endParaRPr lang="en-US" dirty="0"/>
           </a:p>
@@ -8733,7 +8733,7 @@
           <a:p>
             <a:fld id="{9796027F-7875-4030-9381-8BD8C4F21935}" type="datetimeFigureOut">
               <a:rPr lang="en-US" dirty="0"/>
-              <a:t>8/18/2019</a:t>
+              <a:t>8/19/2019</a:t>
             </a:fld>
             <a:endParaRPr lang="en-US" dirty="0"/>
           </a:p>
@@ -9187,7 +9187,7 @@
           <a:p>
             <a:fld id="{9796027F-7875-4030-9381-8BD8C4F21935}" type="datetimeFigureOut">
               <a:rPr lang="en-US" dirty="0"/>
-              <a:t>8/18/2019</a:t>
+              <a:t>8/19/2019</a:t>
             </a:fld>
             <a:endParaRPr lang="en-US" dirty="0"/>
           </a:p>
@@ -9315,7 +9315,7 @@
           <a:p>
             <a:fld id="{4509A250-FF31-4206-8172-F9D3106AACB1}" type="datetimeFigureOut">
               <a:rPr lang="en-US" dirty="0"/>
-              <a:t>8/18/2019</a:t>
+              <a:t>8/19/2019</a:t>
             </a:fld>
             <a:endParaRPr lang="en-US" dirty="0"/>
           </a:p>
@@ -9420,7 +9420,7 @@
           <a:p>
             <a:fld id="{4509A250-FF31-4206-8172-F9D3106AACB1}" type="datetimeFigureOut">
               <a:rPr lang="en-US" dirty="0"/>
-              <a:t>8/18/2019</a:t>
+              <a:t>8/19/2019</a:t>
             </a:fld>
             <a:endParaRPr lang="en-US" dirty="0"/>
           </a:p>
@@ -9709,7 +9709,7 @@
           <a:p>
             <a:fld id="{4509A250-FF31-4206-8172-F9D3106AACB1}" type="datetimeFigureOut">
               <a:rPr lang="en-US" dirty="0"/>
-              <a:t>8/18/2019</a:t>
+              <a:t>8/19/2019</a:t>
             </a:fld>
             <a:endParaRPr lang="en-US" dirty="0"/>
           </a:p>
@@ -9994,7 +9994,7 @@
           <a:p>
             <a:fld id="{4509A250-FF31-4206-8172-F9D3106AACB1}" type="datetimeFigureOut">
               <a:rPr lang="en-US" dirty="0"/>
-              <a:t>8/18/2019</a:t>
+              <a:t>8/19/2019</a:t>
             </a:fld>
             <a:endParaRPr lang="en-US" dirty="0"/>
           </a:p>
@@ -10433,7 +10433,7 @@
           <a:p>
             <a:fld id="{4AAD347D-5ACD-4C99-B74B-A9C85AD731AF}" type="datetimeFigureOut">
               <a:rPr lang="en-US" dirty="0"/>
-              <a:t>8/18/2019</a:t>
+              <a:t>8/19/2019</a:t>
             </a:fld>
             <a:endParaRPr lang="en-US" dirty="0"/>
           </a:p>
@@ -16910,25 +16910,16 @@
                 <a:cs typeface="Tahoma"/>
                 <a:sym typeface="Tahoma"/>
               </a:rPr>
-              <a:t>Apollo-</a:t>
-            </a:r>
-            <a:r>
-              <a:rPr lang="en-GB" dirty="0" err="1" smtClean="0">
-                <a:latin typeface="Tahoma"/>
-                <a:ea typeface="Tahoma"/>
-                <a:cs typeface="Tahoma"/>
-                <a:sym typeface="Tahoma"/>
-              </a:rPr>
-              <a:t>codegen</a:t>
-            </a:r>
-            <a:r>
-              <a:rPr lang="he-IL" dirty="0">
-                <a:latin typeface="Tahoma"/>
-                <a:ea typeface="Tahoma"/>
-                <a:cs typeface="Tahoma"/>
-                <a:sym typeface="Tahoma"/>
-              </a:rPr>
-              <a:t> -</a:t>
+              <a:t>Apollo-tooling</a:t>
+            </a:r>
+            <a:r>
+              <a:rPr lang="he-IL" dirty="0" smtClean="0">
+                <a:latin typeface="Tahoma"/>
+                <a:ea typeface="Tahoma"/>
+                <a:cs typeface="Tahoma"/>
+                <a:sym typeface="Tahoma"/>
+              </a:rPr>
+              <a:t> –</a:t>
             </a:r>
             <a:r>
               <a:rPr lang="en-GB" dirty="0" smtClean="0">
@@ -16937,7 +16928,7 @@
                 <a:cs typeface="Tahoma"/>
                 <a:sym typeface="Tahoma"/>
               </a:rPr>
-              <a:t> ממשק cli</a:t>
+              <a:t> </a:t>
             </a:r>
             <a:r>
               <a:rPr lang="he-IL" dirty="0" smtClean="0">
@@ -16946,79 +16937,52 @@
                 <a:cs typeface="Tahoma"/>
                 <a:sym typeface="Tahoma"/>
               </a:rPr>
-              <a:t> </a:t>
-            </a:r>
-            <a:r>
-              <a:rPr lang="en-GB" dirty="0" err="1" smtClean="0">
-                <a:latin typeface="Tahoma"/>
-                <a:ea typeface="Tahoma"/>
-                <a:cs typeface="Tahoma"/>
-                <a:sym typeface="Tahoma"/>
-              </a:rPr>
-              <a:t>לחיבור</a:t>
-            </a:r>
-            <a:r>
-              <a:rPr lang="en-GB" dirty="0" smtClean="0">
-                <a:latin typeface="Tahoma"/>
-                <a:ea typeface="Tahoma"/>
-                <a:cs typeface="Tahoma"/>
-                <a:sym typeface="Tahoma"/>
-              </a:rPr>
-              <a:t> </a:t>
-            </a:r>
-            <a:r>
-              <a:rPr lang="en-GB" dirty="0" err="1">
-                <a:latin typeface="Tahoma"/>
-                <a:ea typeface="Tahoma"/>
-                <a:cs typeface="Tahoma"/>
-                <a:sym typeface="Tahoma"/>
-              </a:rPr>
-              <a:t>מהיר</a:t>
-            </a:r>
-            <a:r>
-              <a:rPr lang="en-GB" dirty="0">
-                <a:latin typeface="Tahoma"/>
-                <a:ea typeface="Tahoma"/>
-                <a:cs typeface="Tahoma"/>
-                <a:sym typeface="Tahoma"/>
-              </a:rPr>
-              <a:t> </a:t>
-            </a:r>
-            <a:r>
-              <a:rPr lang="en-GB" dirty="0" err="1">
-                <a:latin typeface="Tahoma"/>
-                <a:ea typeface="Tahoma"/>
-                <a:cs typeface="Tahoma"/>
-                <a:sym typeface="Tahoma"/>
-              </a:rPr>
-              <a:t>של</a:t>
-            </a:r>
-            <a:r>
-              <a:rPr lang="en-GB" dirty="0">
-                <a:latin typeface="Tahoma"/>
-                <a:ea typeface="Tahoma"/>
-                <a:cs typeface="Tahoma"/>
-                <a:sym typeface="Tahoma"/>
-              </a:rPr>
-              <a:t> </a:t>
-            </a:r>
-            <a:r>
-              <a:rPr lang="en-GB" dirty="0" err="1">
-                <a:latin typeface="Tahoma"/>
-                <a:ea typeface="Tahoma"/>
-                <a:cs typeface="Tahoma"/>
-                <a:sym typeface="Tahoma"/>
-              </a:rPr>
-              <a:t>apollo</a:t>
-            </a:r>
-            <a:r>
-              <a:rPr lang="en-GB" dirty="0">
-                <a:latin typeface="Tahoma"/>
-                <a:ea typeface="Tahoma"/>
-                <a:cs typeface="Tahoma"/>
-                <a:sym typeface="Tahoma"/>
-              </a:rPr>
-              <a:t> client</a:t>
+              <a:t>ממשק </a:t>
+            </a:r>
+            <a:r>
+              <a:rPr lang="en-US" dirty="0" smtClean="0">
+                <a:latin typeface="Tahoma"/>
+                <a:ea typeface="Tahoma"/>
+                <a:cs typeface="Tahoma"/>
+                <a:sym typeface="Tahoma"/>
+              </a:rPr>
+              <a:t>cli</a:t>
+            </a:r>
+            <a:r>
+              <a:rPr lang="he-IL" dirty="0" smtClean="0">
+                <a:latin typeface="Tahoma"/>
+                <a:ea typeface="Tahoma"/>
+                <a:cs typeface="Tahoma"/>
+                <a:sym typeface="Tahoma"/>
+              </a:rPr>
+              <a:t> שמספק כלים כמו </a:t>
+            </a:r>
+            <a:r>
+              <a:rPr lang="en-US" dirty="0" smtClean="0">
+                <a:latin typeface="Tahoma"/>
+                <a:ea typeface="Tahoma"/>
+                <a:cs typeface="Tahoma"/>
+                <a:sym typeface="Tahoma"/>
+              </a:rPr>
+              <a:t>code-gen</a:t>
+            </a:r>
+            <a:r>
+              <a:rPr lang="he-IL" dirty="0" smtClean="0">
+                <a:latin typeface="Tahoma"/>
+                <a:ea typeface="Tahoma"/>
+                <a:cs typeface="Tahoma"/>
+                <a:sym typeface="Tahoma"/>
+              </a:rPr>
+              <a:t> ו-</a:t>
+            </a:r>
+            <a:r>
+              <a:rPr lang="en-US" smtClean="0">
+                <a:latin typeface="Tahoma"/>
+                <a:ea typeface="Tahoma"/>
+                <a:cs typeface="Tahoma"/>
+                <a:sym typeface="Tahoma"/>
+              </a:rPr>
+              <a:t>download-schema</a:t>
             </a:r>
             <a:endParaRPr dirty="0">
               <a:latin typeface="Tahoma"/>
